--- a/Emotion in Motion Poster.pptx
+++ b/Emotion in Motion Poster.pptx
@@ -245,7 +245,7 @@
             <a:pPr>
               <a:defRPr/>
             </a:pPr>
-            <a:endParaRPr lang="en-US"/>
+            <a:endParaRPr lang="en-US" dirty="0"/>
           </a:p>
         </p:txBody>
       </p:sp>
@@ -293,7 +293,7 @@
               <a:pPr/>
               <a:t>12/1/20</a:t>
             </a:fld>
-            <a:endParaRPr lang="en-US" altLang="en-US"/>
+            <a:endParaRPr lang="en-US" altLang="en-US" dirty="0"/>
           </a:p>
         </p:txBody>
       </p:sp>
@@ -337,7 +337,7 @@
           <a:lstStyle/>
           <a:p>
             <a:pPr lvl="0"/>
-            <a:endParaRPr lang="en-US" noProof="0"/>
+            <a:endParaRPr lang="en-US" noProof="0" dirty="0"/>
           </a:p>
         </p:txBody>
       </p:sp>
@@ -455,7 +455,7 @@
             <a:pPr>
               <a:defRPr/>
             </a:pPr>
-            <a:endParaRPr lang="en-US"/>
+            <a:endParaRPr lang="en-US" dirty="0"/>
           </a:p>
         </p:txBody>
       </p:sp>
@@ -503,7 +503,7 @@
               <a:pPr/>
               <a:t>‹#›</a:t>
             </a:fld>
-            <a:endParaRPr lang="en-US" altLang="en-US"/>
+            <a:endParaRPr lang="en-US" altLang="en-US" dirty="0"/>
           </a:p>
         </p:txBody>
       </p:sp>
@@ -905,7 +905,7 @@
               <a:pPr eaLnBrk="1" hangingPunct="1"/>
               <a:t>1</a:t>
             </a:fld>
-            <a:endParaRPr lang="en-US" altLang="en-US" sz="1200">
+            <a:endParaRPr lang="en-US" altLang="en-US" sz="1200" dirty="0">
               <a:latin typeface="Calibri" panose="020F0502020204030204" pitchFamily="34" charset="0"/>
             </a:endParaRPr>
           </a:p>
@@ -1144,7 +1144,7 @@
             <a:pPr>
               <a:defRPr/>
             </a:pPr>
-            <a:endParaRPr lang="en-US"/>
+            <a:endParaRPr lang="en-US" dirty="0"/>
           </a:p>
         </p:txBody>
       </p:sp>
@@ -1166,7 +1166,7 @@
             <a:pPr>
               <a:defRPr/>
             </a:pPr>
-            <a:endParaRPr lang="en-US"/>
+            <a:endParaRPr lang="en-US" dirty="0"/>
           </a:p>
         </p:txBody>
       </p:sp>
@@ -1190,7 +1190,7 @@
               <a:pPr/>
               <a:t>‹#›</a:t>
             </a:fld>
-            <a:endParaRPr lang="en-US" altLang="en-US"/>
+            <a:endParaRPr lang="en-US" altLang="en-US" dirty="0"/>
           </a:p>
         </p:txBody>
       </p:sp>
@@ -1317,7 +1317,7 @@
             <a:pPr>
               <a:defRPr/>
             </a:pPr>
-            <a:endParaRPr lang="en-US"/>
+            <a:endParaRPr lang="en-US" dirty="0"/>
           </a:p>
         </p:txBody>
       </p:sp>
@@ -1339,7 +1339,7 @@
             <a:pPr>
               <a:defRPr/>
             </a:pPr>
-            <a:endParaRPr lang="en-US"/>
+            <a:endParaRPr lang="en-US" dirty="0"/>
           </a:p>
         </p:txBody>
       </p:sp>
@@ -1363,7 +1363,7 @@
               <a:pPr/>
               <a:t>‹#›</a:t>
             </a:fld>
-            <a:endParaRPr lang="en-US" altLang="en-US"/>
+            <a:endParaRPr lang="en-US" altLang="en-US" dirty="0"/>
           </a:p>
         </p:txBody>
       </p:sp>
@@ -1500,7 +1500,7 @@
             <a:pPr>
               <a:defRPr/>
             </a:pPr>
-            <a:endParaRPr lang="en-US"/>
+            <a:endParaRPr lang="en-US" dirty="0"/>
           </a:p>
         </p:txBody>
       </p:sp>
@@ -1522,7 +1522,7 @@
             <a:pPr>
               <a:defRPr/>
             </a:pPr>
-            <a:endParaRPr lang="en-US"/>
+            <a:endParaRPr lang="en-US" dirty="0"/>
           </a:p>
         </p:txBody>
       </p:sp>
@@ -1546,7 +1546,7 @@
               <a:pPr/>
               <a:t>‹#›</a:t>
             </a:fld>
-            <a:endParaRPr lang="en-US" altLang="en-US"/>
+            <a:endParaRPr lang="en-US" altLang="en-US" dirty="0"/>
           </a:p>
         </p:txBody>
       </p:sp>
@@ -1673,7 +1673,7 @@
             <a:pPr>
               <a:defRPr/>
             </a:pPr>
-            <a:endParaRPr lang="en-US"/>
+            <a:endParaRPr lang="en-US" dirty="0"/>
           </a:p>
         </p:txBody>
       </p:sp>
@@ -1695,7 +1695,7 @@
             <a:pPr>
               <a:defRPr/>
             </a:pPr>
-            <a:endParaRPr lang="en-US"/>
+            <a:endParaRPr lang="en-US" dirty="0"/>
           </a:p>
         </p:txBody>
       </p:sp>
@@ -1719,7 +1719,7 @@
               <a:pPr/>
               <a:t>‹#›</a:t>
             </a:fld>
-            <a:endParaRPr lang="en-US" altLang="en-US"/>
+            <a:endParaRPr lang="en-US" altLang="en-US" dirty="0"/>
           </a:p>
         </p:txBody>
       </p:sp>
@@ -1934,7 +1934,7 @@
             <a:pPr>
               <a:defRPr/>
             </a:pPr>
-            <a:endParaRPr lang="en-US"/>
+            <a:endParaRPr lang="en-US" dirty="0"/>
           </a:p>
         </p:txBody>
       </p:sp>
@@ -1956,7 +1956,7 @@
             <a:pPr>
               <a:defRPr/>
             </a:pPr>
-            <a:endParaRPr lang="en-US"/>
+            <a:endParaRPr lang="en-US" dirty="0"/>
           </a:p>
         </p:txBody>
       </p:sp>
@@ -1980,7 +1980,7 @@
               <a:pPr/>
               <a:t>‹#›</a:t>
             </a:fld>
-            <a:endParaRPr lang="en-US" altLang="en-US"/>
+            <a:endParaRPr lang="en-US" altLang="en-US" dirty="0"/>
           </a:p>
         </p:txBody>
       </p:sp>
@@ -2225,7 +2225,7 @@
             <a:pPr>
               <a:defRPr/>
             </a:pPr>
-            <a:endParaRPr lang="en-US"/>
+            <a:endParaRPr lang="en-US" dirty="0"/>
           </a:p>
         </p:txBody>
       </p:sp>
@@ -2247,7 +2247,7 @@
             <a:pPr>
               <a:defRPr/>
             </a:pPr>
-            <a:endParaRPr lang="en-US"/>
+            <a:endParaRPr lang="en-US" dirty="0"/>
           </a:p>
         </p:txBody>
       </p:sp>
@@ -2271,7 +2271,7 @@
               <a:pPr/>
               <a:t>‹#›</a:t>
             </a:fld>
-            <a:endParaRPr lang="en-US" altLang="en-US"/>
+            <a:endParaRPr lang="en-US" altLang="en-US" dirty="0"/>
           </a:p>
         </p:txBody>
       </p:sp>
@@ -2670,7 +2670,7 @@
             <a:pPr>
               <a:defRPr/>
             </a:pPr>
-            <a:endParaRPr lang="en-US"/>
+            <a:endParaRPr lang="en-US" dirty="0"/>
           </a:p>
         </p:txBody>
       </p:sp>
@@ -2692,7 +2692,7 @@
             <a:pPr>
               <a:defRPr/>
             </a:pPr>
-            <a:endParaRPr lang="en-US"/>
+            <a:endParaRPr lang="en-US" dirty="0"/>
           </a:p>
         </p:txBody>
       </p:sp>
@@ -2716,7 +2716,7 @@
               <a:pPr/>
               <a:t>‹#›</a:t>
             </a:fld>
-            <a:endParaRPr lang="en-US" altLang="en-US"/>
+            <a:endParaRPr lang="en-US" altLang="en-US" dirty="0"/>
           </a:p>
         </p:txBody>
       </p:sp>
@@ -2791,7 +2791,7 @@
             <a:pPr>
               <a:defRPr/>
             </a:pPr>
-            <a:endParaRPr lang="en-US"/>
+            <a:endParaRPr lang="en-US" dirty="0"/>
           </a:p>
         </p:txBody>
       </p:sp>
@@ -2813,7 +2813,7 @@
             <a:pPr>
               <a:defRPr/>
             </a:pPr>
-            <a:endParaRPr lang="en-US"/>
+            <a:endParaRPr lang="en-US" dirty="0"/>
           </a:p>
         </p:txBody>
       </p:sp>
@@ -2837,7 +2837,7 @@
               <a:pPr/>
               <a:t>‹#›</a:t>
             </a:fld>
-            <a:endParaRPr lang="en-US" altLang="en-US"/>
+            <a:endParaRPr lang="en-US" altLang="en-US" dirty="0"/>
           </a:p>
         </p:txBody>
       </p:sp>
@@ -2889,7 +2889,7 @@
             <a:pPr>
               <a:defRPr/>
             </a:pPr>
-            <a:endParaRPr lang="en-US"/>
+            <a:endParaRPr lang="en-US" dirty="0"/>
           </a:p>
         </p:txBody>
       </p:sp>
@@ -2911,7 +2911,7 @@
             <a:pPr>
               <a:defRPr/>
             </a:pPr>
-            <a:endParaRPr lang="en-US"/>
+            <a:endParaRPr lang="en-US" dirty="0"/>
           </a:p>
         </p:txBody>
       </p:sp>
@@ -2935,7 +2935,7 @@
               <a:pPr/>
               <a:t>‹#›</a:t>
             </a:fld>
-            <a:endParaRPr lang="en-US" altLang="en-US"/>
+            <a:endParaRPr lang="en-US" altLang="en-US" dirty="0"/>
           </a:p>
         </p:txBody>
       </p:sp>
@@ -3183,7 +3183,7 @@
             <a:pPr>
               <a:defRPr/>
             </a:pPr>
-            <a:endParaRPr lang="en-US"/>
+            <a:endParaRPr lang="en-US" dirty="0"/>
           </a:p>
         </p:txBody>
       </p:sp>
@@ -3205,7 +3205,7 @@
             <a:pPr>
               <a:defRPr/>
             </a:pPr>
-            <a:endParaRPr lang="en-US"/>
+            <a:endParaRPr lang="en-US" dirty="0"/>
           </a:p>
         </p:txBody>
       </p:sp>
@@ -3229,7 +3229,7 @@
               <a:pPr/>
               <a:t>‹#›</a:t>
             </a:fld>
-            <a:endParaRPr lang="en-US" altLang="en-US"/>
+            <a:endParaRPr lang="en-US" altLang="en-US" dirty="0"/>
           </a:p>
         </p:txBody>
       </p:sp>
@@ -3360,10 +3360,9 @@
           </a:lstStyle>
           <a:p>
             <a:r>
-              <a:rPr lang="en-US"/>
+              <a:rPr lang="en-US" dirty="0"/>
               <a:t>Click icon to add picture</a:t>
             </a:r>
-            <a:endParaRPr lang="en-US" dirty="0"/>
           </a:p>
         </p:txBody>
       </p:sp>
@@ -3462,7 +3461,7 @@
             <a:pPr>
               <a:defRPr/>
             </a:pPr>
-            <a:endParaRPr lang="en-US"/>
+            <a:endParaRPr lang="en-US" dirty="0"/>
           </a:p>
         </p:txBody>
       </p:sp>
@@ -3489,7 +3488,7 @@
             <a:pPr>
               <a:defRPr/>
             </a:pPr>
-            <a:endParaRPr lang="en-US"/>
+            <a:endParaRPr lang="en-US" dirty="0"/>
           </a:p>
         </p:txBody>
       </p:sp>
@@ -3513,7 +3512,7 @@
               <a:pPr/>
               <a:t>‹#›</a:t>
             </a:fld>
-            <a:endParaRPr lang="en-US" altLang="en-US"/>
+            <a:endParaRPr lang="en-US" altLang="en-US" dirty="0"/>
           </a:p>
         </p:txBody>
       </p:sp>
@@ -3762,7 +3761,7 @@
             <a:pPr>
               <a:defRPr/>
             </a:pPr>
-            <a:endParaRPr lang="en-US"/>
+            <a:endParaRPr lang="en-US" dirty="0"/>
           </a:p>
         </p:txBody>
       </p:sp>
@@ -3803,7 +3802,7 @@
             <a:pPr>
               <a:defRPr/>
             </a:pPr>
-            <a:endParaRPr lang="en-US"/>
+            <a:endParaRPr lang="en-US" dirty="0"/>
           </a:p>
         </p:txBody>
       </p:sp>
@@ -3843,7 +3842,7 @@
               <a:pPr/>
               <a:t>‹#›</a:t>
             </a:fld>
-            <a:endParaRPr lang="en-US" altLang="en-US"/>
+            <a:endParaRPr lang="en-US" altLang="en-US" dirty="0"/>
           </a:p>
         </p:txBody>
       </p:sp>
@@ -4262,8 +4261,8 @@
         </p:nvSpPr>
         <p:spPr bwMode="auto">
           <a:xfrm>
-            <a:off x="357810" y="320453"/>
-            <a:ext cx="8283728" cy="12277947"/>
+            <a:off x="357810" y="4818457"/>
+            <a:ext cx="8283728" cy="9583343"/>
           </a:xfrm>
           <a:prstGeom prst="rect">
             <a:avLst/>
@@ -4437,6 +4436,55 @@
               <a:t>Introduction</a:t>
             </a:r>
           </a:p>
+          <a:p>
+            <a:pPr eaLnBrk="1" hangingPunct="1">
+              <a:spcBef>
+                <a:spcPts val="2420"/>
+              </a:spcBef>
+              <a:spcAft>
+                <a:spcPts val="1000"/>
+              </a:spcAft>
+            </a:pPr>
+            <a:r>
+              <a:rPr lang="en-US" dirty="0"/>
+              <a:t>The problem we are addressing is the difficulty of classifying human emotion, given variable length speech. Speech emotion recognition systems struggle with classifying emotion due to the abstract nature of emotion and the fact that human emotion can only be detected in small parts during long segments of speech. This project is based on the methodology described in the paper </a:t>
+            </a:r>
+            <a:r>
+              <a:rPr lang="en-US" i="1" dirty="0"/>
+              <a:t>Attention Based Fully Convolutional Network for Speech Emotion Recognition</a:t>
+            </a:r>
+            <a:r>
+              <a:rPr lang="en-US" dirty="0"/>
+              <a:t> by Yuanyuan Zhang, Jun Du, Zirui Wang, Jianshu Zhang, Yanhui Tu </a:t>
+            </a:r>
+          </a:p>
+          <a:p>
+            <a:pPr eaLnBrk="1" hangingPunct="1">
+              <a:spcBef>
+                <a:spcPts val="2420"/>
+              </a:spcBef>
+              <a:spcAft>
+                <a:spcPts val="1000"/>
+              </a:spcAft>
+            </a:pPr>
+            <a:endParaRPr lang="en-US" dirty="0"/>
+          </a:p>
+          <a:p>
+            <a:br>
+              <a:rPr lang="en-US" sz="5400" dirty="0"/>
+            </a:br>
+            <a:br>
+              <a:rPr lang="en-US" sz="5400" dirty="0"/>
+            </a:br>
+            <a:endParaRPr lang="en-US" sz="5400" b="1" dirty="0">
+              <a:solidFill>
+                <a:srgbClr val="002060"/>
+              </a:solidFill>
+              <a:latin typeface="Helvetica Neue Condensed" panose="02000503000000020004" pitchFamily="2" charset="0"/>
+              <a:ea typeface="Helvetica Neue Condensed" panose="02000503000000020004" pitchFamily="2" charset="0"/>
+              <a:cs typeface="Helvetica Neue Condensed" panose="02000503000000020004" pitchFamily="2" charset="0"/>
+            </a:endParaRPr>
+          </a:p>
         </p:txBody>
       </p:sp>
       <p:sp>
@@ -4455,8 +4503,8 @@
         </p:nvSpPr>
         <p:spPr bwMode="auto">
           <a:xfrm>
-            <a:off x="357810" y="12954000"/>
-            <a:ext cx="8283728" cy="15529148"/>
+            <a:off x="357810" y="14782800"/>
+            <a:ext cx="8283728" cy="13700347"/>
           </a:xfrm>
           <a:prstGeom prst="rect">
             <a:avLst/>
@@ -4713,8 +4761,8 @@
         </p:nvSpPr>
         <p:spPr bwMode="auto">
           <a:xfrm>
-            <a:off x="8999349" y="5943599"/>
-            <a:ext cx="19749168" cy="22539547"/>
+            <a:off x="8999349" y="12220576"/>
+            <a:ext cx="19749168" cy="16262569"/>
           </a:xfrm>
           <a:prstGeom prst="rect">
             <a:avLst/>
@@ -4889,64 +4937,220 @@
             </a:r>
           </a:p>
           <a:p>
-            <a:pPr algn="ctr" eaLnBrk="1" hangingPunct="1">
-              <a:lnSpc>
-                <a:spcPct val="114000"/>
-              </a:lnSpc>
-              <a:spcAft>
-                <a:spcPts val="2000"/>
-              </a:spcAft>
-            </a:pPr>
-            <a:endParaRPr lang="en-US" altLang="ja-JP" sz="4200" b="1" dirty="0">
+            <a:r>
+              <a:rPr lang="en-US" dirty="0"/>
+              <a:t>Each trial is run on a dataset over 200 epochs. The unweighted accuracy is the percentage that the model predicts correctly from the test set. The weighted accuracy is the average of the percentage of samples of each emotion that the model predicted correctly. </a:t>
+            </a:r>
+          </a:p>
+          <a:p>
+            <a:r>
+              <a:rPr lang="en-US" dirty="0"/>
+              <a:t>We managed to get fairly high average accuracies, but the model occasionally falls into a trap of learning to predict only one emotion. This suboptimal strategy would likely be resolved with different hyperparameters, but every iteration of our model that we tried had this issue to some degree. Using the weighted average helped us examine when the model was learning bad strategies, and even though we weren’t able to completely resolve this, we have a better understanding of why the model is doing this and why its performance varies. This problem is not visible when we only look at unweighted averages. This fact reinforces the idea that we need to examine results more carefully than just looking at an unweighted accuracy, as the discrepancy also hints at potential issues in the data distribution.</a:t>
+            </a:r>
+          </a:p>
+          <a:p>
+            <a:pPr indent="457200" algn="ctr"/>
+            <a:br>
+              <a:rPr lang="en-US" sz="4400" dirty="0"/>
+            </a:br>
+            <a:r>
+              <a:rPr lang="en-US" sz="4400" dirty="0"/>
+              <a:t>	</a:t>
+            </a:r>
+            <a:r>
+              <a:rPr lang="en-US" sz="4400" dirty="0">
+                <a:solidFill>
+                  <a:srgbClr val="000000"/>
+                </a:solidFill>
+                <a:latin typeface="Times New Roman" panose="02020603050405020304" pitchFamily="18" charset="0"/>
+              </a:rPr>
+              <a:t>Sample Number 				Unweighted Accuracy 				Weighted Accuracy</a:t>
+            </a:r>
+            <a:endParaRPr lang="en-US" sz="4400" dirty="0">
               <a:solidFill>
                 <a:srgbClr val="000000"/>
               </a:solidFill>
-              <a:latin typeface="Helvetica Neue Condensed" panose="02000503000000020004" pitchFamily="2" charset="0"/>
-              <a:ea typeface="Helvetica Neue Condensed" panose="02000503000000020004" pitchFamily="2" charset="0"/>
-              <a:cs typeface="Helvetica Neue Condensed" panose="02000503000000020004" pitchFamily="2" charset="0"/>
             </a:endParaRPr>
           </a:p>
           <a:p>
-            <a:pPr algn="ctr" eaLnBrk="1" hangingPunct="1">
-              <a:lnSpc>
-                <a:spcPct val="114000"/>
-              </a:lnSpc>
-              <a:spcAft>
-                <a:spcPts val="2000"/>
-              </a:spcAft>
-            </a:pPr>
-            <a:r>
-              <a:rPr lang="en-US" altLang="ja-JP" sz="4200" b="1" dirty="0">
+            <a:pPr indent="457200"/>
+            <a:r>
+              <a:rPr lang="en-US" sz="4400" dirty="0">
                 <a:solidFill>
                   <a:srgbClr val="000000"/>
                 </a:solidFill>
-                <a:latin typeface="Helvetica Neue Condensed" panose="02000503000000020004" pitchFamily="2" charset="0"/>
-                <a:ea typeface="Helvetica Neue Condensed" panose="02000503000000020004" pitchFamily="2" charset="0"/>
-                <a:cs typeface="Helvetica Neue Condensed" panose="02000503000000020004" pitchFamily="2" charset="0"/>
+                <a:latin typeface="Times New Roman" panose="02020603050405020304" pitchFamily="18" charset="0"/>
               </a:rPr>
-              <a:t>INCLUDE PIC OF LOSS CHART, ACCURACY CHART IF NOT GROSS, </a:t>
-            </a:r>
-          </a:p>
-          <a:p>
-            <a:pPr algn="ctr" eaLnBrk="1" hangingPunct="1">
-              <a:lnSpc>
-                <a:spcPct val="114000"/>
-              </a:lnSpc>
-              <a:spcAft>
-                <a:spcPts val="2000"/>
-              </a:spcAft>
-            </a:pPr>
-            <a:r>
-              <a:rPr lang="en-US" altLang="ja-JP" sz="4200" b="1" dirty="0">
+              <a:t>––––––––––––––––––––––––––––––––––––––––––––––––––––––––––––––––</a:t>
+            </a:r>
+            <a:endParaRPr lang="en-US" sz="4400" dirty="0">
+              <a:solidFill>
+                <a:srgbClr val="000000"/>
+              </a:solidFill>
+            </a:endParaRPr>
+          </a:p>
+          <a:p>
+            <a:pPr marL="457200" indent="457200"/>
+            <a:r>
+              <a:rPr lang="en-US" sz="4400" dirty="0">
                 <a:solidFill>
                   <a:srgbClr val="000000"/>
                 </a:solidFill>
-                <a:latin typeface="Helvetica Neue Condensed" panose="02000503000000020004" pitchFamily="2" charset="0"/>
-                <a:ea typeface="Helvetica Neue Condensed" panose="02000503000000020004" pitchFamily="2" charset="0"/>
-                <a:cs typeface="Helvetica Neue Condensed" panose="02000503000000020004" pitchFamily="2" charset="0"/>
+                <a:latin typeface="Times New Roman" panose="02020603050405020304" pitchFamily="18" charset="0"/>
               </a:rPr>
-              <a:t>TABLE WITH SAMPLE ACCURACIES; WEIGHTED/UNWEIGHTED MAYBE?</a:t>
-            </a:r>
+              <a:t>				1 											59.8% 												50.2%</a:t>
+            </a:r>
+            <a:endParaRPr lang="en-US" sz="4400" dirty="0">
+              <a:solidFill>
+                <a:srgbClr val="000000"/>
+              </a:solidFill>
+            </a:endParaRPr>
+          </a:p>
+          <a:p>
+            <a:pPr marL="457200" indent="457200"/>
+            <a:r>
+              <a:rPr lang="en-US" sz="4400" dirty="0">
+                <a:solidFill>
+                  <a:srgbClr val="000000"/>
+                </a:solidFill>
+                <a:latin typeface="Times New Roman" panose="02020603050405020304" pitchFamily="18" charset="0"/>
+              </a:rPr>
+              <a:t>				2 											72.5% 												61.5%</a:t>
+            </a:r>
+            <a:endParaRPr lang="en-US" sz="4400" dirty="0">
+              <a:solidFill>
+                <a:srgbClr val="000000"/>
+              </a:solidFill>
+            </a:endParaRPr>
+          </a:p>
+          <a:p>
+            <a:pPr marL="457200" indent="457200"/>
+            <a:r>
+              <a:rPr lang="en-US" sz="4400" dirty="0">
+                <a:solidFill>
+                  <a:srgbClr val="000000"/>
+                </a:solidFill>
+                <a:latin typeface="Times New Roman" panose="02020603050405020304" pitchFamily="18" charset="0"/>
+              </a:rPr>
+              <a:t>				3 											36.3% 												25.0%</a:t>
+            </a:r>
+            <a:endParaRPr lang="en-US" sz="4400" dirty="0">
+              <a:solidFill>
+                <a:srgbClr val="000000"/>
+              </a:solidFill>
+            </a:endParaRPr>
+          </a:p>
+          <a:p>
+            <a:pPr marL="457200" indent="457200"/>
+            <a:r>
+              <a:rPr lang="en-US" sz="4400" dirty="0">
+                <a:solidFill>
+                  <a:srgbClr val="000000"/>
+                </a:solidFill>
+                <a:latin typeface="Times New Roman" panose="02020603050405020304" pitchFamily="18" charset="0"/>
+              </a:rPr>
+              <a:t>				4 											59.8% 												47.8%</a:t>
+            </a:r>
+            <a:endParaRPr lang="en-US" sz="4400" dirty="0">
+              <a:solidFill>
+                <a:srgbClr val="000000"/>
+              </a:solidFill>
+            </a:endParaRPr>
+          </a:p>
+          <a:p>
+            <a:pPr marL="457200" indent="457200"/>
+            <a:r>
+              <a:rPr lang="en-US" sz="4400" dirty="0">
+                <a:solidFill>
+                  <a:srgbClr val="000000"/>
+                </a:solidFill>
+                <a:latin typeface="Times New Roman" panose="02020603050405020304" pitchFamily="18" charset="0"/>
+              </a:rPr>
+              <a:t>				5 											27.5% 												25.0%</a:t>
+            </a:r>
+            <a:endParaRPr lang="en-US" sz="4400" dirty="0">
+              <a:solidFill>
+                <a:srgbClr val="000000"/>
+              </a:solidFill>
+            </a:endParaRPr>
+          </a:p>
+          <a:p>
+            <a:pPr marL="457200"/>
+            <a:r>
+              <a:rPr lang="en-US" sz="4400" dirty="0">
+                <a:solidFill>
+                  <a:srgbClr val="000000"/>
+                </a:solidFill>
+                <a:latin typeface="Times New Roman" panose="02020603050405020304" pitchFamily="18" charset="0"/>
+              </a:rPr>
+              <a:t>––––––––––––––––––––––––––––––––––––––––––––––––––––––––––––––––</a:t>
+            </a:r>
+            <a:endParaRPr lang="en-US" sz="4400" dirty="0">
+              <a:solidFill>
+                <a:srgbClr val="000000"/>
+              </a:solidFill>
+            </a:endParaRPr>
+          </a:p>
+          <a:p>
+            <a:pPr marL="457200"/>
+            <a:r>
+              <a:rPr lang="en-US" sz="4400" dirty="0">
+                <a:solidFill>
+                  <a:srgbClr val="000000"/>
+                </a:solidFill>
+                <a:latin typeface="Times New Roman" panose="02020603050405020304" pitchFamily="18" charset="0"/>
+              </a:rPr>
+              <a:t>      </a:t>
+            </a:r>
+            <a:r>
+              <a:rPr lang="en-US" sz="4400" b="1" dirty="0">
+                <a:solidFill>
+                  <a:srgbClr val="000000"/>
+                </a:solidFill>
+                <a:latin typeface="Times New Roman" panose="02020603050405020304" pitchFamily="18" charset="0"/>
+              </a:rPr>
+              <a:t> 	Average 									51.2% 												41.9%</a:t>
+            </a:r>
+            <a:endParaRPr lang="en-US" sz="4400" dirty="0">
+              <a:solidFill>
+                <a:srgbClr val="000000"/>
+              </a:solidFill>
+            </a:endParaRPr>
+          </a:p>
+          <a:p>
+            <a:pPr algn="ctr"/>
+            <a:br>
+              <a:rPr lang="en-US" sz="4400" dirty="0">
+                <a:solidFill>
+                  <a:srgbClr val="000000"/>
+                </a:solidFill>
+              </a:rPr>
+            </a:br>
+            <a:r>
+              <a:rPr lang="en-US" sz="2800" dirty="0">
+                <a:solidFill>
+                  <a:srgbClr val="000000"/>
+                </a:solidFill>
+                <a:latin typeface="Times New Roman" panose="02020603050405020304" pitchFamily="18" charset="0"/>
+              </a:rPr>
+              <a:t>Figure 4: Unweighted and Weighted Accuracies Over 5 Samples (Following a 5-Fold Cross Validation Mechanism)</a:t>
+            </a:r>
+            <a:endParaRPr lang="en-US" sz="2800" dirty="0">
+              <a:solidFill>
+                <a:srgbClr val="000000"/>
+              </a:solidFill>
+            </a:endParaRPr>
+          </a:p>
+          <a:p>
+            <a:br>
+              <a:rPr lang="en-US" sz="4400" dirty="0"/>
+            </a:br>
+            <a:br>
+              <a:rPr lang="en-US" sz="4400" dirty="0"/>
+            </a:br>
+            <a:br>
+              <a:rPr lang="en-US" sz="4400" dirty="0"/>
+            </a:br>
             <a:endParaRPr lang="en-US" altLang="ja-JP" sz="3000" b="1" dirty="0">
               <a:latin typeface="Helvetica Neue Condensed" panose="02000503000000020004" pitchFamily="2" charset="0"/>
               <a:ea typeface="Helvetica Neue Condensed" panose="02000503000000020004" pitchFamily="2" charset="0"/>
@@ -4971,8 +5175,8 @@
         </p:nvSpPr>
         <p:spPr bwMode="auto">
           <a:xfrm>
-            <a:off x="29106328" y="320454"/>
-            <a:ext cx="8940659" cy="18196742"/>
+            <a:off x="29106328" y="4818457"/>
+            <a:ext cx="8940659" cy="13698738"/>
           </a:xfrm>
           <a:prstGeom prst="rect">
             <a:avLst/>
@@ -5219,8 +5423,8 @@
         </p:nvSpPr>
         <p:spPr bwMode="auto">
           <a:xfrm>
-            <a:off x="799787" y="2729953"/>
-            <a:ext cx="35775900" cy="1646605"/>
+            <a:off x="1103298" y="8849106"/>
+            <a:ext cx="35775900" cy="2818720"/>
           </a:xfrm>
           <a:prstGeom prst="rect">
             <a:avLst/>
@@ -5372,58 +5576,42 @@
             <a:r>
               <a:rPr lang="en-US" altLang="en-US" sz="8000" b="1" dirty="0">
                 <a:solidFill>
-                  <a:schemeClr val="accent1"/>
+                  <a:srgbClr val="002060"/>
                 </a:solidFill>
                 <a:latin typeface="Angsana New" panose="02020603050405020304" pitchFamily="18" charset="-34"/>
                 <a:ea typeface="Helvetica Neue Medium" panose="02000503000000020004" pitchFamily="2" charset="0"/>
                 <a:cs typeface="Angsana New" panose="02020603050405020304" pitchFamily="18" charset="-34"/>
               </a:rPr>
-              <a:t>by MPG: Matan </a:t>
-            </a:r>
-            <a:r>
-              <a:rPr lang="en-US" altLang="en-US" sz="8000" b="1" dirty="0" err="1">
-                <a:solidFill>
-                  <a:schemeClr val="accent1"/>
+              <a:t>by MPG: Matan Gans, Peter Theodores, George Rusu</a:t>
+            </a:r>
+          </a:p>
+          <a:p>
+            <a:pPr algn="ctr" eaLnBrk="1" hangingPunct="1">
+              <a:spcBef>
+                <a:spcPct val="50000"/>
+              </a:spcBef>
+              <a:spcAft>
+                <a:spcPts val="450"/>
+              </a:spcAft>
+            </a:pPr>
+            <a:r>
+              <a:rPr lang="en-US" sz="4800" dirty="0">
+                <a:solidFill>
+                  <a:srgbClr val="002060"/>
                 </a:solidFill>
                 <a:latin typeface="Angsana New" panose="02020603050405020304" pitchFamily="18" charset="-34"/>
-                <a:ea typeface="Helvetica Neue Medium" panose="02000503000000020004" pitchFamily="2" charset="0"/>
                 <a:cs typeface="Angsana New" panose="02020603050405020304" pitchFamily="18" charset="-34"/>
               </a:rPr>
-              <a:t>Gans</a:t>
-            </a:r>
-            <a:r>
-              <a:rPr lang="en-US" altLang="en-US" sz="8000" b="1" dirty="0">
-                <a:solidFill>
-                  <a:schemeClr val="accent1"/>
-                </a:solidFill>
-                <a:latin typeface="Angsana New" panose="02020603050405020304" pitchFamily="18" charset="-34"/>
-                <a:ea typeface="Helvetica Neue Medium" panose="02000503000000020004" pitchFamily="2" charset="0"/>
-                <a:cs typeface="Angsana New" panose="02020603050405020304" pitchFamily="18" charset="-34"/>
-              </a:rPr>
-              <a:t>, George </a:t>
-            </a:r>
-            <a:r>
-              <a:rPr lang="en-US" altLang="en-US" sz="8000" b="1" dirty="0" err="1">
-                <a:solidFill>
-                  <a:schemeClr val="accent1"/>
-                </a:solidFill>
-                <a:latin typeface="Angsana New" panose="02020603050405020304" pitchFamily="18" charset="-34"/>
-                <a:ea typeface="Helvetica Neue Medium" panose="02000503000000020004" pitchFamily="2" charset="0"/>
-                <a:cs typeface="Angsana New" panose="02020603050405020304" pitchFamily="18" charset="-34"/>
-              </a:rPr>
-              <a:t>Rusu</a:t>
-            </a:r>
-            <a:r>
-              <a:rPr lang="en-US" altLang="en-US" sz="8000" b="1" dirty="0">
-                <a:solidFill>
-                  <a:schemeClr val="accent1"/>
-                </a:solidFill>
-                <a:latin typeface="Angsana New" panose="02020603050405020304" pitchFamily="18" charset="-34"/>
-                <a:ea typeface="Helvetica Neue Medium" panose="02000503000000020004" pitchFamily="2" charset="0"/>
-                <a:cs typeface="Angsana New" panose="02020603050405020304" pitchFamily="18" charset="-34"/>
-              </a:rPr>
-              <a:t>, Peter Theodores</a:t>
-            </a:r>
+              <a:t>CSCI 1470 (Deep Learning), Department of Computer Science, Brown University</a:t>
+            </a:r>
+            <a:endParaRPr lang="en-US" altLang="en-US" sz="4800" b="1" dirty="0">
+              <a:solidFill>
+                <a:srgbClr val="002060"/>
+              </a:solidFill>
+              <a:latin typeface="Angsana New" panose="02020603050405020304" pitchFamily="18" charset="-34"/>
+              <a:ea typeface="Helvetica Neue Medium" panose="02000503000000020004" pitchFamily="2" charset="0"/>
+              <a:cs typeface="Angsana New" panose="02020603050405020304" pitchFamily="18" charset="-34"/>
+            </a:endParaRPr>
           </a:p>
         </p:txBody>
       </p:sp>
@@ -5443,8 +5631,8 @@
         </p:nvSpPr>
         <p:spPr bwMode="auto">
           <a:xfrm>
-            <a:off x="338137" y="1667306"/>
-            <a:ext cx="37266876" cy="2654573"/>
+            <a:off x="240495" y="1573984"/>
+            <a:ext cx="37266876" cy="7640553"/>
           </a:xfrm>
           <a:prstGeom prst="rect">
             <a:avLst/>
@@ -5488,7 +5676,7 @@
             <a:r>
               <a:rPr lang="en-US" sz="18000" dirty="0">
                 <a:solidFill>
-                  <a:schemeClr val="accent1"/>
+                  <a:srgbClr val="002060"/>
                 </a:solidFill>
                 <a:effectLst>
                   <a:outerShdw blurRad="50800" dist="38100" dir="2700000" algn="tl" rotWithShape="0">
@@ -5501,7 +5689,57 @@
                 <a:ea typeface="Brush Script MT" panose="03060802040406070304" pitchFamily="66" charset="-122"/>
                 <a:cs typeface="Angsana New" panose="02020603050405020304" pitchFamily="18" charset="-34"/>
               </a:rPr>
-              <a:t>EMOTION IN MOTION</a:t>
+              <a:t>EMOTION IN MOTION:</a:t>
+            </a:r>
+          </a:p>
+          <a:p>
+            <a:pPr algn="ctr">
+              <a:lnSpc>
+                <a:spcPct val="90000"/>
+              </a:lnSpc>
+              <a:defRPr/>
+            </a:pPr>
+            <a:r>
+              <a:rPr lang="en-US" sz="18000" dirty="0">
+                <a:solidFill>
+                  <a:srgbClr val="002060"/>
+                </a:solidFill>
+                <a:effectLst>
+                  <a:outerShdw blurRad="50800" dist="38100" dir="2700000" algn="tl" rotWithShape="0">
+                    <a:prstClr val="black">
+                      <a:alpha val="40000"/>
+                    </a:prstClr>
+                  </a:outerShdw>
+                </a:effectLst>
+                <a:latin typeface="Angsana New" panose="02020603050405020304" pitchFamily="18" charset="-34"/>
+                <a:cs typeface="Angsana New" panose="02020603050405020304" pitchFamily="18" charset="-34"/>
+              </a:rPr>
+              <a:t>A Deep Learning Model for </a:t>
+            </a:r>
+          </a:p>
+          <a:p>
+            <a:pPr algn="ctr">
+              <a:lnSpc>
+                <a:spcPct val="90000"/>
+              </a:lnSpc>
+              <a:defRPr/>
+            </a:pPr>
+            <a:r>
+              <a:rPr lang="en-US" sz="18000" dirty="0">
+                <a:solidFill>
+                  <a:srgbClr val="002060"/>
+                </a:solidFill>
+                <a:effectLst>
+                  <a:outerShdw blurRad="50800" dist="38100" dir="2700000" algn="tl" rotWithShape="0">
+                    <a:prstClr val="black">
+                      <a:alpha val="40000"/>
+                    </a:prstClr>
+                  </a:outerShdw>
+                </a:effectLst>
+                <a:latin typeface="Angsana New" panose="02020603050405020304" pitchFamily="18" charset="-34"/>
+                <a:cs typeface="Angsana New" panose="02020603050405020304" pitchFamily="18" charset="-34"/>
+              </a:rPr>
+              <a:t>Speech Emotion Recognition</a:t>
             </a:r>
           </a:p>
         </p:txBody>
@@ -5737,10 +5975,57 @@
           </a:bodyPr>
           <a:lstStyle/>
           <a:p>
-            <a:endParaRPr lang="en-US"/>
-          </a:p>
-        </p:txBody>
-      </p:sp>
+            <a:endParaRPr lang="en-US" dirty="0"/>
+          </a:p>
+        </p:txBody>
+      </p:sp>
+      <p:pic>
+        <p:nvPicPr>
+          <p:cNvPr id="1026" name="Picture 2" descr="https://lh5.googleusercontent.com/_AMw35ZKxqJK5U13n1cssdpOfSXAYOX92tvL1OzTfZJDkpzoKk0fARxVj73MDSHaIM8nzSwSos0a1QFhBRN6txVOyCfAAkBX_6aiaMiseQQZ8vLohnHH932Fjptfslq7mHrgjQ6mcyc">
+            <a:extLst>
+              <a:ext uri="{FF2B5EF4-FFF2-40B4-BE49-F238E27FC236}">
+                <a16:creationId xmlns:a16="http://schemas.microsoft.com/office/drawing/2014/main" id="{E7007893-BB46-E244-80A1-14B256E6C702}"/>
+              </a:ext>
+            </a:extLst>
+          </p:cNvPr>
+          <p:cNvPicPr>
+            <a:picLocks noChangeAspect="1" noChangeArrowheads="1"/>
+          </p:cNvPicPr>
+          <p:nvPr/>
+        </p:nvPicPr>
+        <p:blipFill>
+          <a:blip r:embed="rId3">
+            <a:extLst>
+              <a:ext uri="{28A0092B-C50C-407E-A947-70E740481C1C}">
+                <a14:useLocalDpi xmlns:a14="http://schemas.microsoft.com/office/drawing/2010/main" val="0"/>
+              </a:ext>
+            </a:extLst>
+          </a:blip>
+          <a:srcRect/>
+          <a:stretch>
+            <a:fillRect/>
+          </a:stretch>
+        </p:blipFill>
+        <p:spPr bwMode="auto">
+          <a:xfrm>
+            <a:off x="1624023" y="612042"/>
+            <a:ext cx="2875651" cy="3344603"/>
+          </a:xfrm>
+          <a:prstGeom prst="rect">
+            <a:avLst/>
+          </a:prstGeom>
+          <a:noFill/>
+          <a:extLst>
+            <a:ext uri="{909E8E84-426E-40DD-AFC4-6F175D3DCCD1}">
+              <a14:hiddenFill xmlns:a14="http://schemas.microsoft.com/office/drawing/2010/main">
+                <a:solidFill>
+                  <a:srgbClr val="FFFFFF"/>
+                </a:solidFill>
+              </a14:hiddenFill>
+            </a:ext>
+          </a:extLst>
+        </p:spPr>
+      </p:pic>
     </p:spTree>
   </p:cSld>
   <p:clrMapOvr>
